--- a/bitcoin_market_report_q4_2025.pptx
+++ b/bitcoin_market_report_q4_2025.pptx
@@ -3435,7 +3435,11 @@
         <p:txBody>
           <a:bodyPr/>
           <a:lstStyle/>
-          <a:p/>
+          <a:p>
+            <a:r>
+              <a:t>Bitcoin Market Analysis: Navigating the Downturn</a:t>
+            </a:r>
+          </a:p>
         </p:txBody>
       </p:sp>
       <p:sp>

--- a/bitcoin_market_report_q4_2025.pptx
+++ b/bitcoin_market_report_q4_2025.pptx
@@ -3550,7 +3550,6 @@
                 <a:solidFill>
                   <a:srgbClr val="111111"/>
                 </a:solidFill>
-                <a:latin typeface="Arial"/>
               </a:defRPr>
             </a:pPr>
             <a:r>
@@ -3563,7 +3562,6 @@
                 <a:solidFill>
                   <a:srgbClr val="111111"/>
                 </a:solidFill>
-                <a:latin typeface="Arial"/>
               </a:defRPr>
             </a:pPr>
             <a:r>
@@ -3576,7 +3574,6 @@
                 <a:solidFill>
                   <a:srgbClr val="111111"/>
                 </a:solidFill>
-                <a:latin typeface="Arial"/>
               </a:defRPr>
             </a:pPr>
             <a:r>
@@ -3589,7 +3586,6 @@
                 <a:solidFill>
                   <a:srgbClr val="111111"/>
                 </a:solidFill>
-                <a:latin typeface="Arial"/>
               </a:defRPr>
             </a:pPr>
             <a:r>
@@ -3725,7 +3721,6 @@
                 <a:solidFill>
                   <a:srgbClr val="111111"/>
                 </a:solidFill>
-                <a:latin typeface="Arial"/>
               </a:defRPr>
             </a:pPr>
             <a:r>
@@ -3738,7 +3733,6 @@
                 <a:solidFill>
                   <a:srgbClr val="111111"/>
                 </a:solidFill>
-                <a:latin typeface="Arial"/>
               </a:defRPr>
             </a:pPr>
             <a:r>
@@ -3751,7 +3745,6 @@
                 <a:solidFill>
                   <a:srgbClr val="111111"/>
                 </a:solidFill>
-                <a:latin typeface="Arial"/>
               </a:defRPr>
             </a:pPr>
             <a:r>
@@ -3764,7 +3757,6 @@
                 <a:solidFill>
                   <a:srgbClr val="111111"/>
                 </a:solidFill>
-                <a:latin typeface="Arial"/>
               </a:defRPr>
             </a:pPr>
             <a:r>
@@ -4073,7 +4065,6 @@
                 <a:solidFill>
                   <a:srgbClr val="111111"/>
                 </a:solidFill>
-                <a:latin typeface="Arial"/>
               </a:defRPr>
             </a:pPr>
             <a:r>
@@ -4086,7 +4077,6 @@
                 <a:solidFill>
                   <a:srgbClr val="111111"/>
                 </a:solidFill>
-                <a:latin typeface="Arial"/>
               </a:defRPr>
             </a:pPr>
             <a:r>
@@ -4099,7 +4089,6 @@
                 <a:solidFill>
                   <a:srgbClr val="111111"/>
                 </a:solidFill>
-                <a:latin typeface="Arial"/>
               </a:defRPr>
             </a:pPr>
             <a:r>
@@ -4112,7 +4101,6 @@
                 <a:solidFill>
                   <a:srgbClr val="111111"/>
                 </a:solidFill>
-                <a:latin typeface="Arial"/>
               </a:defRPr>
             </a:pPr>
             <a:r>
@@ -4125,7 +4113,6 @@
                 <a:solidFill>
                   <a:srgbClr val="111111"/>
                 </a:solidFill>
-                <a:latin typeface="Arial"/>
               </a:defRPr>
             </a:pPr>
             <a:r>
@@ -4138,7 +4125,6 @@
                 <a:solidFill>
                   <a:srgbClr val="111111"/>
                 </a:solidFill>
-                <a:latin typeface="Arial"/>
               </a:defRPr>
             </a:pPr>
             <a:r>
@@ -4151,7 +4137,6 @@
                 <a:solidFill>
                   <a:srgbClr val="111111"/>
                 </a:solidFill>
-                <a:latin typeface="Arial"/>
               </a:defRPr>
             </a:pPr>
             <a:r>
@@ -4324,7 +4309,6 @@
                 <a:solidFill>
                   <a:srgbClr val="111111"/>
                 </a:solidFill>
-                <a:latin typeface="Arial"/>
               </a:defRPr>
             </a:pPr>
             <a:r>
@@ -4337,7 +4321,6 @@
                 <a:solidFill>
                   <a:srgbClr val="111111"/>
                 </a:solidFill>
-                <a:latin typeface="Arial"/>
               </a:defRPr>
             </a:pPr>
             <a:r>
@@ -4350,7 +4333,6 @@
                 <a:solidFill>
                   <a:srgbClr val="111111"/>
                 </a:solidFill>
-                <a:latin typeface="Arial"/>
               </a:defRPr>
             </a:pPr>
             <a:r>
@@ -4363,7 +4345,6 @@
                 <a:solidFill>
                   <a:srgbClr val="111111"/>
                 </a:solidFill>
-                <a:latin typeface="Arial"/>
               </a:defRPr>
             </a:pPr>
             <a:r>
@@ -4376,7 +4357,6 @@
                 <a:solidFill>
                   <a:srgbClr val="111111"/>
                 </a:solidFill>
-                <a:latin typeface="Arial"/>
               </a:defRPr>
             </a:pPr>
             <a:r>
@@ -4512,7 +4492,6 @@
                 <a:solidFill>
                   <a:srgbClr val="111111"/>
                 </a:solidFill>
-                <a:latin typeface="Arial"/>
               </a:defRPr>
             </a:pPr>
             <a:r>
@@ -4525,7 +4504,6 @@
                 <a:solidFill>
                   <a:srgbClr val="111111"/>
                 </a:solidFill>
-                <a:latin typeface="Arial"/>
               </a:defRPr>
             </a:pPr>
             <a:r>
@@ -4538,7 +4516,6 @@
                 <a:solidFill>
                   <a:srgbClr val="111111"/>
                 </a:solidFill>
-                <a:latin typeface="Arial"/>
               </a:defRPr>
             </a:pPr>
             <a:r>
@@ -4551,7 +4528,6 @@
                 <a:solidFill>
                   <a:srgbClr val="111111"/>
                 </a:solidFill>
-                <a:latin typeface="Arial"/>
               </a:defRPr>
             </a:pPr>
             <a:r>
@@ -4885,7 +4861,6 @@
                 <a:solidFill>
                   <a:srgbClr val="111111"/>
                 </a:solidFill>
-                <a:latin typeface="Arial"/>
               </a:defRPr>
             </a:pPr>
             <a:r>
@@ -4898,7 +4873,6 @@
                 <a:solidFill>
                   <a:srgbClr val="111111"/>
                 </a:solidFill>
-                <a:latin typeface="Arial"/>
               </a:defRPr>
             </a:pPr>
             <a:r>
@@ -4911,7 +4885,6 @@
                 <a:solidFill>
                   <a:srgbClr val="111111"/>
                 </a:solidFill>
-                <a:latin typeface="Arial"/>
               </a:defRPr>
             </a:pPr>
             <a:r>
@@ -4924,7 +4897,6 @@
                 <a:solidFill>
                   <a:srgbClr val="111111"/>
                 </a:solidFill>
-                <a:latin typeface="Arial"/>
               </a:defRPr>
             </a:pPr>
             <a:r>
@@ -5258,7 +5230,6 @@
                 <a:solidFill>
                   <a:srgbClr val="111111"/>
                 </a:solidFill>
-                <a:latin typeface="Arial"/>
               </a:defRPr>
             </a:pPr>
             <a:r>
@@ -5271,7 +5242,6 @@
                 <a:solidFill>
                   <a:srgbClr val="111111"/>
                 </a:solidFill>
-                <a:latin typeface="Arial"/>
               </a:defRPr>
             </a:pPr>
             <a:r>
@@ -5284,7 +5254,6 @@
                 <a:solidFill>
                   <a:srgbClr val="111111"/>
                 </a:solidFill>
-                <a:latin typeface="Arial"/>
               </a:defRPr>
             </a:pPr>
             <a:r>
@@ -5297,7 +5266,6 @@
                 <a:solidFill>
                   <a:srgbClr val="111111"/>
                 </a:solidFill>
-                <a:latin typeface="Arial"/>
               </a:defRPr>
             </a:pPr>
             <a:r>
@@ -5510,7 +5478,6 @@
                 <a:solidFill>
                   <a:srgbClr val="111111"/>
                 </a:solidFill>
-                <a:latin typeface="Arial"/>
               </a:defRPr>
             </a:pPr>
             <a:r>
@@ -5523,7 +5490,6 @@
                 <a:solidFill>
                   <a:srgbClr val="111111"/>
                 </a:solidFill>
-                <a:latin typeface="Arial"/>
               </a:defRPr>
             </a:pPr>
             <a:r>
@@ -5536,7 +5502,6 @@
                 <a:solidFill>
                   <a:srgbClr val="111111"/>
                 </a:solidFill>
-                <a:latin typeface="Arial"/>
               </a:defRPr>
             </a:pPr>
             <a:r>
@@ -5549,7 +5514,6 @@
                 <a:solidFill>
                   <a:srgbClr val="111111"/>
                 </a:solidFill>
-                <a:latin typeface="Arial"/>
               </a:defRPr>
             </a:pPr>
             <a:r>
